--- a/res_for_presentation/Blind Typing.pptx
+++ b/res_for_presentation/Blind Typing.pptx
@@ -248,7 +248,7 @@
             <a:pPr rtl="0"/>
             <a:fld id="{C3308102-B78F-4A24-87CA-5FA0033B6135}" type="datetime1">
               <a:rPr lang="ru-RU" smtClean="0"/>
-              <a:t>чт 18.01.24</a:t>
+              <a:t>18.01.2024</a:t>
             </a:fld>
             <a:endParaRPr lang="ru-RU" dirty="0"/>
           </a:p>
@@ -429,7 +429,7 @@
             <a:fld id="{7B728365-CBBA-496F-854A-132A4D03B664}" type="datetime1">
               <a:rPr lang="ru-RU" smtClean="0"/>
               <a:pPr/>
-              <a:t>чт 18.01.24</a:t>
+              <a:t>18.01.2024</a:t>
             </a:fld>
             <a:endParaRPr lang="ru-RU" dirty="0"/>
           </a:p>
@@ -16272,7 +16272,7 @@
             <a:pPr rtl="0"/>
             <a:r>
               <a:rPr lang="en-US" sz="4400" dirty="0"/>
-              <a:t>Blind Typing</a:t>
+              <a:t>Bim-bam-tanks</a:t>
             </a:r>
             <a:endParaRPr lang="ru-RU" sz="4400" dirty="0"/>
           </a:p>
@@ -16460,18 +16460,43 @@
         </p:nvSpPr>
         <p:spPr>
           <a:xfrm>
-            <a:off x="997527" y="2576945"/>
-            <a:ext cx="4682837" cy="3676073"/>
+            <a:off x="997527" y="1888621"/>
+            <a:ext cx="6001479" cy="4364397"/>
           </a:xfrm>
         </p:spPr>
         <p:txBody>
           <a:bodyPr rtlCol="0">
-            <a:normAutofit/>
+            <a:normAutofit lnSpcReduction="10000"/>
           </a:bodyPr>
           <a:lstStyle/>
           <a:p>
             <a:pPr rtl="0"/>
+            <a:r>
+              <a:rPr lang="ru-RU" dirty="0"/>
+              <a:t>Эта игра откроет перед вами увлекательный мир танковых сражений, сочетая в себе динамичность классической аркады и возможности тактического мышления.</a:t>
+            </a:r>
+          </a:p>
+          <a:p>
+            <a:pPr rtl="0"/>
             <a:endParaRPr lang="ru-RU" dirty="0"/>
+          </a:p>
+          <a:p>
+            <a:pPr rtl="0"/>
+            <a:r>
+              <a:rPr lang="ru-RU" dirty="0"/>
+              <a:t>Новизна этой игры заключается в ее уникальном визуальном стиле 2D, который придает игровому процессу особый шарм. Игроки получат возможность насладиться простотой управления, одновременно погружаясь в захватывающие сражения с применением разнообразного вооружения.</a:t>
+            </a:r>
+          </a:p>
+          <a:p>
+            <a:pPr rtl="0"/>
+            <a:endParaRPr lang="ru-RU" dirty="0"/>
+          </a:p>
+          <a:p>
+            <a:pPr rtl="0"/>
+            <a:r>
+              <a:rPr lang="ru-RU" dirty="0"/>
+              <a:t>Актуальность игры подтверждается ее популярностью среди любителей аркадных игр и фанатов танковых сражений. Эта игра предлагает бесконечные возможности для сражений с другими игроками онлайн, что делает ее актуальной и захватывающей на долгие часы развлечений.</a:t>
+            </a:r>
           </a:p>
         </p:txBody>
       </p:sp>
@@ -16528,7 +16553,7 @@
             <a:pPr rtl="0"/>
             <a:r>
               <a:rPr lang="en-US" sz="1200" dirty="0"/>
-              <a:t>Blind Typing</a:t>
+              <a:t>Bim-bam-tanks</a:t>
             </a:r>
             <a:endParaRPr lang="ru-RU" sz="1200" dirty="0"/>
           </a:p>
@@ -16679,7 +16704,7 @@
           <a:p>
             <a:pPr rtl="0"/>
             <a:r>
-              <a:rPr lang="ru-RU" dirty="0"/>
+              <a:rPr lang="ru-RU" sz="2000" dirty="0"/>
               <a:t>игра</a:t>
             </a:r>
           </a:p>
@@ -16708,7 +16733,7 @@
           <a:p>
             <a:pPr rtl="0"/>
             <a:r>
-              <a:rPr lang="ru-RU" dirty="0"/>
+              <a:rPr lang="ru-RU" sz="2000" dirty="0"/>
               <a:t>Сохранение статистики</a:t>
             </a:r>
           </a:p>
@@ -16737,7 +16762,7 @@
           <a:p>
             <a:pPr rtl="0"/>
             <a:r>
-              <a:rPr lang="ru-RU" dirty="0"/>
+              <a:rPr lang="ru-RU" sz="2000" dirty="0"/>
               <a:t>Звуки в игре</a:t>
             </a:r>
           </a:p>
@@ -16745,18 +16770,18 @@
       </p:sp>
       <p:sp>
         <p:nvSpPr>
-          <p:cNvPr id="6" name="Текст 5">
-            <a:extLst>
-              <a:ext uri="{FF2B5EF4-FFF2-40B4-BE49-F238E27FC236}">
-                <a16:creationId xmlns:a16="http://schemas.microsoft.com/office/drawing/2014/main" id="{5C594564-4FC6-401A-8586-44735EE819EC}"/>
-              </a:ext>
-            </a:extLst>
-          </p:cNvPr>
-          <p:cNvSpPr>
-            <a:spLocks noGrp="1"/>
-          </p:cNvSpPr>
-          <p:nvPr>
-            <p:ph type="body" sz="quarter" idx="16"/>
+          <p:cNvPr id="11" name="Дата 10">
+            <a:extLst>
+              <a:ext uri="{FF2B5EF4-FFF2-40B4-BE49-F238E27FC236}">
+                <a16:creationId xmlns:a16="http://schemas.microsoft.com/office/drawing/2014/main" id="{40BF6865-7FAE-4B56-A995-ADF1582DCC64}"/>
+              </a:ext>
+            </a:extLst>
+          </p:cNvPr>
+          <p:cNvSpPr>
+            <a:spLocks noGrp="1"/>
+          </p:cNvSpPr>
+          <p:nvPr>
+            <p:ph type="dt" sz="half" idx="10"/>
           </p:nvPr>
         </p:nvSpPr>
         <p:spPr/>
@@ -16765,24 +16790,27 @@
           <a:lstStyle/>
           <a:p>
             <a:pPr rtl="0"/>
-            <a:endParaRPr lang="ru-RU" dirty="0"/>
-          </a:p>
-        </p:txBody>
-      </p:sp>
-      <p:sp>
-        <p:nvSpPr>
-          <p:cNvPr id="11" name="Дата 10">
-            <a:extLst>
-              <a:ext uri="{FF2B5EF4-FFF2-40B4-BE49-F238E27FC236}">
-                <a16:creationId xmlns:a16="http://schemas.microsoft.com/office/drawing/2014/main" id="{40BF6865-7FAE-4B56-A995-ADF1582DCC64}"/>
-              </a:ext>
-            </a:extLst>
-          </p:cNvPr>
-          <p:cNvSpPr>
-            <a:spLocks noGrp="1"/>
-          </p:cNvSpPr>
-          <p:nvPr>
-            <p:ph type="dt" sz="half" idx="10"/>
+            <a:r>
+              <a:rPr lang="ru-RU" dirty="0"/>
+              <a:t>2023</a:t>
+            </a:r>
+          </a:p>
+        </p:txBody>
+      </p:sp>
+      <p:sp>
+        <p:nvSpPr>
+          <p:cNvPr id="80" name="Нижний колонтитул 79">
+            <a:extLst>
+              <a:ext uri="{FF2B5EF4-FFF2-40B4-BE49-F238E27FC236}">
+                <a16:creationId xmlns:a16="http://schemas.microsoft.com/office/drawing/2014/main" id="{81398ED2-66DB-46EA-8D89-B07A5C039997}"/>
+              </a:ext>
+            </a:extLst>
+          </p:cNvPr>
+          <p:cNvSpPr>
+            <a:spLocks noGrp="1"/>
+          </p:cNvSpPr>
+          <p:nvPr>
+            <p:ph type="ftr" sz="quarter" idx="11"/>
           </p:nvPr>
         </p:nvSpPr>
         <p:spPr/>
@@ -16792,37 +16820,8 @@
           <a:p>
             <a:pPr rtl="0"/>
             <a:r>
-              <a:rPr lang="ru-RU" dirty="0"/>
-              <a:t>2023</a:t>
-            </a:r>
-          </a:p>
-        </p:txBody>
-      </p:sp>
-      <p:sp>
-        <p:nvSpPr>
-          <p:cNvPr id="80" name="Нижний колонтитул 79">
-            <a:extLst>
-              <a:ext uri="{FF2B5EF4-FFF2-40B4-BE49-F238E27FC236}">
-                <a16:creationId xmlns:a16="http://schemas.microsoft.com/office/drawing/2014/main" id="{81398ED2-66DB-46EA-8D89-B07A5C039997}"/>
-              </a:ext>
-            </a:extLst>
-          </p:cNvPr>
-          <p:cNvSpPr>
-            <a:spLocks noGrp="1"/>
-          </p:cNvSpPr>
-          <p:nvPr>
-            <p:ph type="ftr" sz="quarter" idx="11"/>
-          </p:nvPr>
-        </p:nvSpPr>
-        <p:spPr/>
-        <p:txBody>
-          <a:bodyPr rtlCol="0"/>
-          <a:lstStyle/>
-          <a:p>
-            <a:pPr rtl="0"/>
-            <a:r>
               <a:rPr lang="en-US" sz="1200" dirty="0"/>
-              <a:t>Blind Typing</a:t>
+              <a:t>Bim-bam-tanks</a:t>
             </a:r>
             <a:endParaRPr lang="ru-RU" sz="1200" dirty="0"/>
           </a:p>
@@ -17073,18 +17072,20 @@
         </p:nvSpPr>
         <p:spPr/>
         <p:txBody>
-          <a:bodyPr/>
+          <a:bodyPr>
+            <a:normAutofit/>
+          </a:bodyPr>
           <a:lstStyle/>
           <a:p>
             <a:r>
-              <a:rPr lang="ru-RU" dirty="0"/>
+              <a:rPr lang="ru-RU" sz="2000" dirty="0"/>
               <a:t>Библиотека </a:t>
             </a:r>
             <a:r>
-              <a:rPr lang="en-US" dirty="0" err="1"/>
+              <a:rPr lang="en-US" sz="2000" dirty="0" err="1"/>
               <a:t>pygame</a:t>
             </a:r>
-            <a:endParaRPr lang="ru-RU" dirty="0"/>
+            <a:endParaRPr lang="ru-RU" sz="2000" dirty="0"/>
           </a:p>
         </p:txBody>
       </p:sp>
@@ -17106,13 +17107,20 @@
         </p:nvSpPr>
         <p:spPr/>
         <p:txBody>
-          <a:bodyPr/>
+          <a:bodyPr>
+            <a:normAutofit/>
+          </a:bodyPr>
           <a:lstStyle/>
           <a:p>
             <a:r>
-              <a:rPr lang="ru-RU" dirty="0"/>
-              <a:t>Работа с фалами</a:t>
-            </a:r>
+              <a:rPr lang="ru-RU" sz="2000" dirty="0"/>
+              <a:t>Работа с файлами </a:t>
+            </a:r>
+            <a:r>
+              <a:rPr lang="en-US" sz="2000" dirty="0"/>
+              <a:t>txt</a:t>
+            </a:r>
+            <a:endParaRPr lang="ru-RU" sz="2000" dirty="0"/>
           </a:p>
         </p:txBody>
       </p:sp>
@@ -17134,42 +17142,19 @@
         </p:nvSpPr>
         <p:spPr/>
         <p:txBody>
-          <a:bodyPr/>
+          <a:bodyPr>
+            <a:normAutofit/>
+          </a:bodyPr>
           <a:lstStyle/>
           <a:p>
             <a:r>
-              <a:rPr lang="en-US" dirty="0" err="1"/>
+              <a:rPr lang="en-US" sz="2000" dirty="0" err="1"/>
               <a:t>pygame.mixer.Sound</a:t>
             </a:r>
             <a:r>
-              <a:rPr lang="ru-RU" dirty="0"/>
+              <a:rPr lang="ru-RU" sz="2000" dirty="0"/>
               <a:t>()</a:t>
             </a:r>
-          </a:p>
-        </p:txBody>
-      </p:sp>
-      <p:sp>
-        <p:nvSpPr>
-          <p:cNvPr id="22" name="Текст 21">
-            <a:extLst>
-              <a:ext uri="{FF2B5EF4-FFF2-40B4-BE49-F238E27FC236}">
-                <a16:creationId xmlns:a16="http://schemas.microsoft.com/office/drawing/2014/main" id="{698D759B-D6A6-41A2-8710-7D6BC1313153}"/>
-              </a:ext>
-            </a:extLst>
-          </p:cNvPr>
-          <p:cNvSpPr>
-            <a:spLocks noGrp="1"/>
-          </p:cNvSpPr>
-          <p:nvPr>
-            <p:ph type="body" sz="quarter" idx="20"/>
-          </p:nvPr>
-        </p:nvSpPr>
-        <p:spPr/>
-        <p:txBody>
-          <a:bodyPr/>
-          <a:lstStyle/>
-          <a:p>
-            <a:endParaRPr lang="ru-RU"/>
           </a:p>
         </p:txBody>
       </p:sp>
@@ -17273,7 +17258,7 @@
             </a:pPr>
             <a:r>
               <a:rPr lang="ru-RU" dirty="0"/>
-              <a:t>Красивая графика</a:t>
+              <a:t>Приятные звуки и модели</a:t>
             </a:r>
           </a:p>
           <a:p>
@@ -17283,7 +17268,7 @@
             </a:pPr>
             <a:r>
               <a:rPr lang="ru-RU" dirty="0"/>
-              <a:t>Удобное управление</a:t>
+              <a:t>Красивая графика </a:t>
             </a:r>
           </a:p>
           <a:p>
@@ -17293,8 +17278,25 @@
             </a:pPr>
             <a:r>
               <a:rPr lang="ru-RU" dirty="0"/>
+              <a:t>Удобное управление</a:t>
+            </a:r>
+          </a:p>
+          <a:p>
+            <a:pPr marL="285750" indent="-285750" rtl="0">
+              <a:buFont typeface="Arial" panose="020B0604020202020204" pitchFamily="34" charset="0"/>
+              <a:buChar char="•"/>
+            </a:pPr>
+            <a:r>
+              <a:rPr lang="ru-RU" dirty="0"/>
               <a:t>Возможность играть вдвоём</a:t>
             </a:r>
+          </a:p>
+          <a:p>
+            <a:pPr marL="285750" indent="-285750" rtl="0">
+              <a:buFont typeface="Arial" panose="020B0604020202020204" pitchFamily="34" charset="0"/>
+              <a:buChar char="•"/>
+            </a:pPr>
+            <a:endParaRPr lang="ru-RU" dirty="0"/>
           </a:p>
           <a:p>
             <a:pPr marL="285750" indent="-285750" rtl="0">
@@ -19030,25 +19032,6 @@
 </file>
 
 <file path=customXml/item1.xml><?xml version="1.0" encoding="utf-8"?>
-<p:properties xmlns:p="http://schemas.microsoft.com/office/2006/metadata/properties" xmlns:xsi="http://www.w3.org/2001/XMLSchema-instance" xmlns:pc="http://schemas.microsoft.com/office/infopath/2007/PartnerControls">
-  <documentManagement>
-    <_ip_UnifiedCompliancePolicyUIAction xmlns="http://schemas.microsoft.com/sharepoint/v3" xsi:nil="true"/>
-    <Image xmlns="71af3243-3dd4-4a8d-8c0d-dd76da1f02a5">
-      <Url xsi:nil="true"/>
-      <Description xsi:nil="true"/>
-    </Image>
-    <Status xmlns="71af3243-3dd4-4a8d-8c0d-dd76da1f02a5">Not started</Status>
-    <_ip_UnifiedCompliancePolicyProperties xmlns="http://schemas.microsoft.com/sharepoint/v3" xsi:nil="true"/>
-    <ImageTagsTaxHTField xmlns="71af3243-3dd4-4a8d-8c0d-dd76da1f02a5">
-      <Terms xmlns="http://schemas.microsoft.com/office/infopath/2007/PartnerControls"/>
-    </ImageTagsTaxHTField>
-    <TaxCatchAll xmlns="230e9df3-be65-4c73-a93b-d1236ebd677e"/>
-    <MediaServiceKeyPoints xmlns="71af3243-3dd4-4a8d-8c0d-dd76da1f02a5" xsi:nil="true"/>
-  </documentManagement>
-</p:properties>
-</file>
-
-<file path=customXml/item2.xml><?xml version="1.0" encoding="utf-8"?>
 <ct:contentTypeSchema xmlns:ct="http://schemas.microsoft.com/office/2006/metadata/contentType" xmlns:ma="http://schemas.microsoft.com/office/2006/metadata/properties/metaAttributes" ct:_="" ma:_="" ma:contentTypeName="Document" ma:contentTypeID="0x01010079F111ED35F8CC479449609E8A0923A6" ma:contentTypeVersion="20" ma:contentTypeDescription="Create a new document." ma:contentTypeScope="" ma:versionID="1267097ee5f5874adfcc408041ae252e">
   <xsd:schema xmlns:xsd="http://www.w3.org/2001/XMLSchema" xmlns:xs="http://www.w3.org/2001/XMLSchema" xmlns:p="http://schemas.microsoft.com/office/2006/metadata/properties" xmlns:ns1="http://schemas.microsoft.com/sharepoint/v3" xmlns:ns2="71af3243-3dd4-4a8d-8c0d-dd76da1f02a5" xmlns:ns3="16c05727-aa75-4e4a-9b5f-8a80a1165891" xmlns:ns4="230e9df3-be65-4c73-a93b-d1236ebd677e" targetNamespace="http://schemas.microsoft.com/office/2006/metadata/properties" ma:root="true" ma:fieldsID="395891a93df65b14727750f2c06c306c" ns1:_="" ns2:_="" ns3:_="" ns4:_="">
     <xsd:import namespace="http://schemas.microsoft.com/sharepoint/v3"/>
@@ -19324,6 +19307,25 @@
 </ct:contentTypeSchema>
 </file>
 
+<file path=customXml/item2.xml><?xml version="1.0" encoding="utf-8"?>
+<p:properties xmlns:p="http://schemas.microsoft.com/office/2006/metadata/properties" xmlns:xsi="http://www.w3.org/2001/XMLSchema-instance" xmlns:pc="http://schemas.microsoft.com/office/infopath/2007/PartnerControls">
+  <documentManagement>
+    <_ip_UnifiedCompliancePolicyUIAction xmlns="http://schemas.microsoft.com/sharepoint/v3" xsi:nil="true"/>
+    <Image xmlns="71af3243-3dd4-4a8d-8c0d-dd76da1f02a5">
+      <Url xsi:nil="true"/>
+      <Description xsi:nil="true"/>
+    </Image>
+    <Status xmlns="71af3243-3dd4-4a8d-8c0d-dd76da1f02a5">Not started</Status>
+    <_ip_UnifiedCompliancePolicyProperties xmlns="http://schemas.microsoft.com/sharepoint/v3" xsi:nil="true"/>
+    <ImageTagsTaxHTField xmlns="71af3243-3dd4-4a8d-8c0d-dd76da1f02a5">
+      <Terms xmlns="http://schemas.microsoft.com/office/infopath/2007/PartnerControls"/>
+    </ImageTagsTaxHTField>
+    <TaxCatchAll xmlns="230e9df3-be65-4c73-a93b-d1236ebd677e"/>
+    <MediaServiceKeyPoints xmlns="71af3243-3dd4-4a8d-8c0d-dd76da1f02a5" xsi:nil="true"/>
+  </documentManagement>
+</p:properties>
+</file>
+
 <file path=customXml/item3.xml><?xml version="1.0" encoding="utf-8"?>
 <?mso-contentType ?>
 <FormTemplates xmlns="http://schemas.microsoft.com/sharepoint/v3/contenttype/forms">
@@ -19334,18 +19336,6 @@
 </file>
 
 <file path=customXml/itemProps1.xml><?xml version="1.0" encoding="utf-8"?>
-<ds:datastoreItem xmlns:ds="http://schemas.openxmlformats.org/officeDocument/2006/customXml" ds:itemID="{B5BA3906-9696-4247-AC0D-DD5C26B2A70A}">
-  <ds:schemaRefs>
-    <ds:schemaRef ds:uri="http://schemas.microsoft.com/office/2006/metadata/properties"/>
-    <ds:schemaRef ds:uri="http://schemas.microsoft.com/office/infopath/2007/PartnerControls"/>
-    <ds:schemaRef ds:uri="http://schemas.microsoft.com/sharepoint/v3"/>
-    <ds:schemaRef ds:uri="71af3243-3dd4-4a8d-8c0d-dd76da1f02a5"/>
-    <ds:schemaRef ds:uri="230e9df3-be65-4c73-a93b-d1236ebd677e"/>
-  </ds:schemaRefs>
-</ds:datastoreItem>
-</file>
-
-<file path=customXml/itemProps2.xml><?xml version="1.0" encoding="utf-8"?>
 <ds:datastoreItem xmlns:ds="http://schemas.openxmlformats.org/officeDocument/2006/customXml" ds:itemID="{01E84A1C-2814-43A7-9448-348326113A45}">
   <ds:schemaRefs>
     <ds:schemaRef ds:uri="http://schemas.microsoft.com/office/2006/metadata/contentType"/>
@@ -19366,6 +19356,18 @@
 </ds:datastoreItem>
 </file>
 
+<file path=customXml/itemProps2.xml><?xml version="1.0" encoding="utf-8"?>
+<ds:datastoreItem xmlns:ds="http://schemas.openxmlformats.org/officeDocument/2006/customXml" ds:itemID="{B5BA3906-9696-4247-AC0D-DD5C26B2A70A}">
+  <ds:schemaRefs>
+    <ds:schemaRef ds:uri="http://schemas.microsoft.com/office/2006/metadata/properties"/>
+    <ds:schemaRef ds:uri="http://schemas.microsoft.com/office/infopath/2007/PartnerControls"/>
+    <ds:schemaRef ds:uri="http://schemas.microsoft.com/sharepoint/v3"/>
+    <ds:schemaRef ds:uri="71af3243-3dd4-4a8d-8c0d-dd76da1f02a5"/>
+    <ds:schemaRef ds:uri="230e9df3-be65-4c73-a93b-d1236ebd677e"/>
+  </ds:schemaRefs>
+</ds:datastoreItem>
+</file>
+
 <file path=customXml/itemProps3.xml><?xml version="1.0" encoding="utf-8"?>
 <ds:datastoreItem xmlns:ds="http://schemas.openxmlformats.org/officeDocument/2006/customXml" ds:itemID="{2D446390-8521-40A2-A462-EA068123BED9}">
   <ds:schemaRefs>

--- a/res_for_presentation/Blind Typing.pptx
+++ b/res_for_presentation/Blind Typing.pptx
@@ -248,7 +248,7 @@
             <a:pPr rtl="0"/>
             <a:fld id="{C3308102-B78F-4A24-87CA-5FA0033B6135}" type="datetime1">
               <a:rPr lang="ru-RU" smtClean="0"/>
-              <a:t>18.01.2024</a:t>
+              <a:t>чт 18.01.24</a:t>
             </a:fld>
             <a:endParaRPr lang="ru-RU" dirty="0"/>
           </a:p>
@@ -429,7 +429,7 @@
             <a:fld id="{7B728365-CBBA-496F-854A-132A4D03B664}" type="datetime1">
               <a:rPr lang="ru-RU" smtClean="0"/>
               <a:pPr/>
-              <a:t>18.01.2024</a:t>
+              <a:t>чт 18.01.24</a:t>
             </a:fld>
             <a:endParaRPr lang="ru-RU" dirty="0"/>
           </a:p>
@@ -16460,13 +16460,13 @@
         </p:nvSpPr>
         <p:spPr>
           <a:xfrm>
-            <a:off x="997527" y="1888621"/>
-            <a:ext cx="6001479" cy="4364397"/>
+            <a:off x="997528" y="1888621"/>
+            <a:ext cx="5450774" cy="4364397"/>
           </a:xfrm>
         </p:spPr>
         <p:txBody>
           <a:bodyPr rtlCol="0">
-            <a:normAutofit lnSpcReduction="10000"/>
+            <a:normAutofit/>
           </a:bodyPr>
           <a:lstStyle/>
           <a:p>
@@ -16482,21 +16482,7 @@
           </a:p>
           <a:p>
             <a:pPr rtl="0"/>
-            <a:r>
-              <a:rPr lang="ru-RU" dirty="0"/>
-              <a:t>Новизна этой игры заключается в ее уникальном визуальном стиле 2D, который придает игровому процессу особый шарм. Игроки получат возможность насладиться простотой управления, одновременно погружаясь в захватывающие сражения с применением разнообразного вооружения.</a:t>
-            </a:r>
-          </a:p>
-          <a:p>
-            <a:pPr rtl="0"/>
             <a:endParaRPr lang="ru-RU" dirty="0"/>
-          </a:p>
-          <a:p>
-            <a:pPr rtl="0"/>
-            <a:r>
-              <a:rPr lang="ru-RU" dirty="0"/>
-              <a:t>Актуальность игры подтверждается ее популярностью среди любителей аркадных игр и фанатов танковых сражений. Эта игра предлагает бесконечные возможности для сражений с другими игроками онлайн, что делает ее актуальной и захватывающей на долгие часы развлечений.</a:t>
-            </a:r>
           </a:p>
         </p:txBody>
       </p:sp>
@@ -16695,7 +16681,12 @@
             <p:ph type="body" sz="quarter" idx="13"/>
           </p:nvPr>
         </p:nvSpPr>
-        <p:spPr/>
+        <p:spPr>
+          <a:xfrm>
+            <a:off x="178006" y="1504951"/>
+            <a:ext cx="2141764" cy="514350"/>
+          </a:xfrm>
+        </p:spPr>
         <p:txBody>
           <a:bodyPr vert="horz" lIns="91440" tIns="45720" rIns="91440" bIns="45720" rtlCol="0" anchor="ctr">
             <a:normAutofit/>
@@ -17150,6 +17141,408 @@
             <a:r>
               <a:rPr lang="en-US" sz="2000" dirty="0" err="1"/>
               <a:t>pygame.mixer.Sound</a:t>
+            </a:r>
+            <a:r>
+              <a:rPr lang="ru-RU" sz="2000" dirty="0"/>
+              <a:t>()</a:t>
+            </a:r>
+          </a:p>
+        </p:txBody>
+      </p:sp>
+      <p:sp>
+        <p:nvSpPr>
+          <p:cNvPr id="14" name="Текст 4">
+            <a:extLst>
+              <a:ext uri="{FF2B5EF4-FFF2-40B4-BE49-F238E27FC236}">
+                <a16:creationId xmlns:a16="http://schemas.microsoft.com/office/drawing/2014/main" id="{86992311-010C-4BA6-9C5E-DAD4AAE68241}"/>
+              </a:ext>
+            </a:extLst>
+          </p:cNvPr>
+          <p:cNvSpPr txBox="1">
+            <a:spLocks/>
+          </p:cNvSpPr>
+          <p:nvPr/>
+        </p:nvSpPr>
+        <p:spPr>
+          <a:xfrm>
+            <a:off x="1948213" y="4806054"/>
+            <a:ext cx="2141764" cy="514350"/>
+          </a:xfrm>
+          <a:prstGeom prst="rect">
+            <a:avLst/>
+          </a:prstGeom>
+        </p:spPr>
+        <p:txBody>
+          <a:bodyPr vert="horz" lIns="91440" tIns="45720" rIns="91440" bIns="45720" rtlCol="0" anchor="ctr">
+            <a:noAutofit/>
+          </a:bodyPr>
+          <a:lstStyle>
+            <a:lvl1pPr marL="0" indent="0" algn="r" defTabSz="914400" rtl="0" eaLnBrk="1" latinLnBrk="0" hangingPunct="1">
+              <a:lnSpc>
+                <a:spcPct val="90000"/>
+              </a:lnSpc>
+              <a:spcBef>
+                <a:spcPts val="1000"/>
+              </a:spcBef>
+              <a:buFont typeface="Arial" panose="020B0604020202020204" pitchFamily="34" charset="0"/>
+              <a:buNone/>
+              <a:defRPr sz="1600" kern="1200" cap="all" spc="150" baseline="0">
+                <a:solidFill>
+                  <a:schemeClr val="tx1"/>
+                </a:solidFill>
+                <a:latin typeface="Arial" panose="020B0604020202020204" pitchFamily="34" charset="0"/>
+                <a:ea typeface="+mn-ea"/>
+                <a:cs typeface="Arial" panose="020B0604020202020204" pitchFamily="34" charset="0"/>
+              </a:defRPr>
+            </a:lvl1pPr>
+            <a:lvl2pPr marL="685800" indent="-228600" algn="l" defTabSz="914400" rtl="0" eaLnBrk="1" latinLnBrk="0" hangingPunct="1">
+              <a:lnSpc>
+                <a:spcPct val="90000"/>
+              </a:lnSpc>
+              <a:spcBef>
+                <a:spcPts val="500"/>
+              </a:spcBef>
+              <a:buFont typeface="Arial" panose="020B0604020202020204" pitchFamily="34" charset="0"/>
+              <a:buChar char="•"/>
+              <a:defRPr sz="2400" kern="1200">
+                <a:solidFill>
+                  <a:schemeClr val="tx1"/>
+                </a:solidFill>
+                <a:latin typeface="Arial" panose="020B0604020202020204" pitchFamily="34" charset="0"/>
+                <a:ea typeface="+mn-ea"/>
+                <a:cs typeface="Arial" panose="020B0604020202020204" pitchFamily="34" charset="0"/>
+              </a:defRPr>
+            </a:lvl2pPr>
+            <a:lvl3pPr marL="1143000" indent="-228600" algn="l" defTabSz="914400" rtl="0" eaLnBrk="1" latinLnBrk="0" hangingPunct="1">
+              <a:lnSpc>
+                <a:spcPct val="90000"/>
+              </a:lnSpc>
+              <a:spcBef>
+                <a:spcPts val="500"/>
+              </a:spcBef>
+              <a:buFont typeface="Arial" panose="020B0604020202020204" pitchFamily="34" charset="0"/>
+              <a:buChar char="•"/>
+              <a:defRPr sz="2000" kern="1200">
+                <a:solidFill>
+                  <a:schemeClr val="tx1"/>
+                </a:solidFill>
+                <a:latin typeface="Arial" panose="020B0604020202020204" pitchFamily="34" charset="0"/>
+                <a:ea typeface="+mn-ea"/>
+                <a:cs typeface="Arial" panose="020B0604020202020204" pitchFamily="34" charset="0"/>
+              </a:defRPr>
+            </a:lvl3pPr>
+            <a:lvl4pPr marL="1600200" indent="-228600" algn="l" defTabSz="914400" rtl="0" eaLnBrk="1" latinLnBrk="0" hangingPunct="1">
+              <a:lnSpc>
+                <a:spcPct val="90000"/>
+              </a:lnSpc>
+              <a:spcBef>
+                <a:spcPts val="500"/>
+              </a:spcBef>
+              <a:buFont typeface="Arial" panose="020B0604020202020204" pitchFamily="34" charset="0"/>
+              <a:buChar char="•"/>
+              <a:defRPr sz="1800" kern="1200">
+                <a:solidFill>
+                  <a:schemeClr val="tx1"/>
+                </a:solidFill>
+                <a:latin typeface="Arial" panose="020B0604020202020204" pitchFamily="34" charset="0"/>
+                <a:ea typeface="+mn-ea"/>
+                <a:cs typeface="Arial" panose="020B0604020202020204" pitchFamily="34" charset="0"/>
+              </a:defRPr>
+            </a:lvl4pPr>
+            <a:lvl5pPr marL="2057400" indent="-228600" algn="l" defTabSz="914400" rtl="0" eaLnBrk="1" latinLnBrk="0" hangingPunct="1">
+              <a:lnSpc>
+                <a:spcPct val="90000"/>
+              </a:lnSpc>
+              <a:spcBef>
+                <a:spcPts val="500"/>
+              </a:spcBef>
+              <a:buFont typeface="Arial" panose="020B0604020202020204" pitchFamily="34" charset="0"/>
+              <a:buChar char="•"/>
+              <a:defRPr sz="1800" kern="1200">
+                <a:solidFill>
+                  <a:schemeClr val="tx1"/>
+                </a:solidFill>
+                <a:latin typeface="Arial" panose="020B0604020202020204" pitchFamily="34" charset="0"/>
+                <a:ea typeface="+mn-ea"/>
+                <a:cs typeface="Arial" panose="020B0604020202020204" pitchFamily="34" charset="0"/>
+              </a:defRPr>
+            </a:lvl5pPr>
+            <a:lvl6pPr marL="2514600" indent="-228600" algn="l" defTabSz="914400" rtl="0" eaLnBrk="1" latinLnBrk="0" hangingPunct="1">
+              <a:lnSpc>
+                <a:spcPct val="90000"/>
+              </a:lnSpc>
+              <a:spcBef>
+                <a:spcPts val="500"/>
+              </a:spcBef>
+              <a:buFont typeface="Arial" panose="020B0604020202020204" pitchFamily="34" charset="0"/>
+              <a:buChar char="•"/>
+              <a:defRPr sz="1800" kern="1200">
+                <a:solidFill>
+                  <a:schemeClr val="tx1"/>
+                </a:solidFill>
+                <a:latin typeface="+mn-lt"/>
+                <a:ea typeface="+mn-ea"/>
+                <a:cs typeface="+mn-cs"/>
+              </a:defRPr>
+            </a:lvl6pPr>
+            <a:lvl7pPr marL="2971800" indent="-228600" algn="l" defTabSz="914400" rtl="0" eaLnBrk="1" latinLnBrk="0" hangingPunct="1">
+              <a:lnSpc>
+                <a:spcPct val="90000"/>
+              </a:lnSpc>
+              <a:spcBef>
+                <a:spcPts val="500"/>
+              </a:spcBef>
+              <a:buFont typeface="Arial" panose="020B0604020202020204" pitchFamily="34" charset="0"/>
+              <a:buChar char="•"/>
+              <a:defRPr sz="1800" kern="1200">
+                <a:solidFill>
+                  <a:schemeClr val="tx1"/>
+                </a:solidFill>
+                <a:latin typeface="+mn-lt"/>
+                <a:ea typeface="+mn-ea"/>
+                <a:cs typeface="+mn-cs"/>
+              </a:defRPr>
+            </a:lvl7pPr>
+            <a:lvl8pPr marL="3429000" indent="-228600" algn="l" defTabSz="914400" rtl="0" eaLnBrk="1" latinLnBrk="0" hangingPunct="1">
+              <a:lnSpc>
+                <a:spcPct val="90000"/>
+              </a:lnSpc>
+              <a:spcBef>
+                <a:spcPts val="500"/>
+              </a:spcBef>
+              <a:buFont typeface="Arial" panose="020B0604020202020204" pitchFamily="34" charset="0"/>
+              <a:buChar char="•"/>
+              <a:defRPr sz="1800" kern="1200">
+                <a:solidFill>
+                  <a:schemeClr val="tx1"/>
+                </a:solidFill>
+                <a:latin typeface="+mn-lt"/>
+                <a:ea typeface="+mn-ea"/>
+                <a:cs typeface="+mn-cs"/>
+              </a:defRPr>
+            </a:lvl8pPr>
+            <a:lvl9pPr marL="3886200" indent="-228600" algn="l" defTabSz="914400" rtl="0" eaLnBrk="1" latinLnBrk="0" hangingPunct="1">
+              <a:lnSpc>
+                <a:spcPct val="90000"/>
+              </a:lnSpc>
+              <a:spcBef>
+                <a:spcPts val="500"/>
+              </a:spcBef>
+              <a:buFont typeface="Arial" panose="020B0604020202020204" pitchFamily="34" charset="0"/>
+              <a:buChar char="•"/>
+              <a:defRPr sz="1800" kern="1200">
+                <a:solidFill>
+                  <a:schemeClr val="tx1"/>
+                </a:solidFill>
+                <a:latin typeface="+mn-lt"/>
+                <a:ea typeface="+mn-ea"/>
+                <a:cs typeface="+mn-cs"/>
+              </a:defRPr>
+            </a:lvl9pPr>
+          </a:lstStyle>
+          <a:p>
+            <a:r>
+              <a:rPr lang="ru-RU" sz="2000" dirty="0"/>
+              <a:t>Спрайты</a:t>
+            </a:r>
+          </a:p>
+        </p:txBody>
+      </p:sp>
+      <p:sp>
+        <p:nvSpPr>
+          <p:cNvPr id="16" name="Текст 17">
+            <a:extLst>
+              <a:ext uri="{FF2B5EF4-FFF2-40B4-BE49-F238E27FC236}">
+                <a16:creationId xmlns:a16="http://schemas.microsoft.com/office/drawing/2014/main" id="{3744F5A9-BA71-4B53-BFA3-2FDBB72AEF1C}"/>
+              </a:ext>
+            </a:extLst>
+          </p:cNvPr>
+          <p:cNvSpPr txBox="1">
+            <a:spLocks/>
+          </p:cNvSpPr>
+          <p:nvPr/>
+        </p:nvSpPr>
+        <p:spPr>
+          <a:xfrm>
+            <a:off x="6096000" y="4814983"/>
+            <a:ext cx="5539095" cy="1010842"/>
+          </a:xfrm>
+          <a:prstGeom prst="rect">
+            <a:avLst/>
+          </a:prstGeom>
+        </p:spPr>
+        <p:txBody>
+          <a:bodyPr vert="horz" lIns="91440" tIns="45720" rIns="91440" bIns="45720" rtlCol="0" anchor="t">
+            <a:normAutofit/>
+          </a:bodyPr>
+          <a:lstStyle>
+            <a:lvl1pPr marL="0" indent="0" algn="l" defTabSz="914400" rtl="0" eaLnBrk="1" latinLnBrk="0" hangingPunct="1">
+              <a:lnSpc>
+                <a:spcPct val="100000"/>
+              </a:lnSpc>
+              <a:spcBef>
+                <a:spcPts val="1000"/>
+              </a:spcBef>
+              <a:buFont typeface="Arial" panose="020B0604020202020204" pitchFamily="34" charset="0"/>
+              <a:buNone/>
+              <a:defRPr sz="1400" kern="1200" spc="50" baseline="0">
+                <a:solidFill>
+                  <a:schemeClr val="tx1"/>
+                </a:solidFill>
+                <a:latin typeface="Arial" panose="020B0604020202020204" pitchFamily="34" charset="0"/>
+                <a:ea typeface="+mn-ea"/>
+                <a:cs typeface="Arial" panose="020B0604020202020204" pitchFamily="34" charset="0"/>
+              </a:defRPr>
+            </a:lvl1pPr>
+            <a:lvl2pPr marL="685800" indent="-228600" algn="l" defTabSz="914400" rtl="0" eaLnBrk="1" latinLnBrk="0" hangingPunct="1">
+              <a:lnSpc>
+                <a:spcPct val="90000"/>
+              </a:lnSpc>
+              <a:spcBef>
+                <a:spcPts val="500"/>
+              </a:spcBef>
+              <a:buFont typeface="Arial" panose="020B0604020202020204" pitchFamily="34" charset="0"/>
+              <a:buChar char="•"/>
+              <a:defRPr sz="2400" kern="1200">
+                <a:solidFill>
+                  <a:schemeClr val="tx1"/>
+                </a:solidFill>
+                <a:latin typeface="Arial" panose="020B0604020202020204" pitchFamily="34" charset="0"/>
+                <a:ea typeface="+mn-ea"/>
+                <a:cs typeface="Arial" panose="020B0604020202020204" pitchFamily="34" charset="0"/>
+              </a:defRPr>
+            </a:lvl2pPr>
+            <a:lvl3pPr marL="1143000" indent="-228600" algn="l" defTabSz="914400" rtl="0" eaLnBrk="1" latinLnBrk="0" hangingPunct="1">
+              <a:lnSpc>
+                <a:spcPct val="90000"/>
+              </a:lnSpc>
+              <a:spcBef>
+                <a:spcPts val="500"/>
+              </a:spcBef>
+              <a:buFont typeface="Arial" panose="020B0604020202020204" pitchFamily="34" charset="0"/>
+              <a:buChar char="•"/>
+              <a:defRPr sz="2000" kern="1200">
+                <a:solidFill>
+                  <a:schemeClr val="tx1"/>
+                </a:solidFill>
+                <a:latin typeface="Arial" panose="020B0604020202020204" pitchFamily="34" charset="0"/>
+                <a:ea typeface="+mn-ea"/>
+                <a:cs typeface="Arial" panose="020B0604020202020204" pitchFamily="34" charset="0"/>
+              </a:defRPr>
+            </a:lvl3pPr>
+            <a:lvl4pPr marL="1600200" indent="-228600" algn="l" defTabSz="914400" rtl="0" eaLnBrk="1" latinLnBrk="0" hangingPunct="1">
+              <a:lnSpc>
+                <a:spcPct val="90000"/>
+              </a:lnSpc>
+              <a:spcBef>
+                <a:spcPts val="500"/>
+              </a:spcBef>
+              <a:buFont typeface="Arial" panose="020B0604020202020204" pitchFamily="34" charset="0"/>
+              <a:buChar char="•"/>
+              <a:defRPr sz="1800" kern="1200">
+                <a:solidFill>
+                  <a:schemeClr val="tx1"/>
+                </a:solidFill>
+                <a:latin typeface="Arial" panose="020B0604020202020204" pitchFamily="34" charset="0"/>
+                <a:ea typeface="+mn-ea"/>
+                <a:cs typeface="Arial" panose="020B0604020202020204" pitchFamily="34" charset="0"/>
+              </a:defRPr>
+            </a:lvl4pPr>
+            <a:lvl5pPr marL="2057400" indent="-228600" algn="l" defTabSz="914400" rtl="0" eaLnBrk="1" latinLnBrk="0" hangingPunct="1">
+              <a:lnSpc>
+                <a:spcPct val="90000"/>
+              </a:lnSpc>
+              <a:spcBef>
+                <a:spcPts val="500"/>
+              </a:spcBef>
+              <a:buFont typeface="Arial" panose="020B0604020202020204" pitchFamily="34" charset="0"/>
+              <a:buChar char="•"/>
+              <a:defRPr sz="1800" kern="1200">
+                <a:solidFill>
+                  <a:schemeClr val="tx1"/>
+                </a:solidFill>
+                <a:latin typeface="Arial" panose="020B0604020202020204" pitchFamily="34" charset="0"/>
+                <a:ea typeface="+mn-ea"/>
+                <a:cs typeface="Arial" panose="020B0604020202020204" pitchFamily="34" charset="0"/>
+              </a:defRPr>
+            </a:lvl5pPr>
+            <a:lvl6pPr marL="2514600" indent="-228600" algn="l" defTabSz="914400" rtl="0" eaLnBrk="1" latinLnBrk="0" hangingPunct="1">
+              <a:lnSpc>
+                <a:spcPct val="90000"/>
+              </a:lnSpc>
+              <a:spcBef>
+                <a:spcPts val="500"/>
+              </a:spcBef>
+              <a:buFont typeface="Arial" panose="020B0604020202020204" pitchFamily="34" charset="0"/>
+              <a:buChar char="•"/>
+              <a:defRPr sz="1800" kern="1200">
+                <a:solidFill>
+                  <a:schemeClr val="tx1"/>
+                </a:solidFill>
+                <a:latin typeface="+mn-lt"/>
+                <a:ea typeface="+mn-ea"/>
+                <a:cs typeface="+mn-cs"/>
+              </a:defRPr>
+            </a:lvl6pPr>
+            <a:lvl7pPr marL="2971800" indent="-228600" algn="l" defTabSz="914400" rtl="0" eaLnBrk="1" latinLnBrk="0" hangingPunct="1">
+              <a:lnSpc>
+                <a:spcPct val="90000"/>
+              </a:lnSpc>
+              <a:spcBef>
+                <a:spcPts val="500"/>
+              </a:spcBef>
+              <a:buFont typeface="Arial" panose="020B0604020202020204" pitchFamily="34" charset="0"/>
+              <a:buChar char="•"/>
+              <a:defRPr sz="1800" kern="1200">
+                <a:solidFill>
+                  <a:schemeClr val="tx1"/>
+                </a:solidFill>
+                <a:latin typeface="+mn-lt"/>
+                <a:ea typeface="+mn-ea"/>
+                <a:cs typeface="+mn-cs"/>
+              </a:defRPr>
+            </a:lvl7pPr>
+            <a:lvl8pPr marL="3429000" indent="-228600" algn="l" defTabSz="914400" rtl="0" eaLnBrk="1" latinLnBrk="0" hangingPunct="1">
+              <a:lnSpc>
+                <a:spcPct val="90000"/>
+              </a:lnSpc>
+              <a:spcBef>
+                <a:spcPts val="500"/>
+              </a:spcBef>
+              <a:buFont typeface="Arial" panose="020B0604020202020204" pitchFamily="34" charset="0"/>
+              <a:buChar char="•"/>
+              <a:defRPr sz="1800" kern="1200">
+                <a:solidFill>
+                  <a:schemeClr val="tx1"/>
+                </a:solidFill>
+                <a:latin typeface="+mn-lt"/>
+                <a:ea typeface="+mn-ea"/>
+                <a:cs typeface="+mn-cs"/>
+              </a:defRPr>
+            </a:lvl8pPr>
+            <a:lvl9pPr marL="3886200" indent="-228600" algn="l" defTabSz="914400" rtl="0" eaLnBrk="1" latinLnBrk="0" hangingPunct="1">
+              <a:lnSpc>
+                <a:spcPct val="90000"/>
+              </a:lnSpc>
+              <a:spcBef>
+                <a:spcPts val="500"/>
+              </a:spcBef>
+              <a:buFont typeface="Arial" panose="020B0604020202020204" pitchFamily="34" charset="0"/>
+              <a:buChar char="•"/>
+              <a:defRPr sz="1800" kern="1200">
+                <a:solidFill>
+                  <a:schemeClr val="tx1"/>
+                </a:solidFill>
+                <a:latin typeface="+mn-lt"/>
+                <a:ea typeface="+mn-ea"/>
+                <a:cs typeface="+mn-cs"/>
+              </a:defRPr>
+            </a:lvl9pPr>
+          </a:lstStyle>
+          <a:p>
+            <a:r>
+              <a:rPr lang="en-US" sz="2000" dirty="0" err="1"/>
+              <a:t>pygame.image.load</a:t>
             </a:r>
             <a:r>
               <a:rPr lang="ru-RU" sz="2000" dirty="0"/>
@@ -17296,6 +17689,16 @@
               <a:buFont typeface="Arial" panose="020B0604020202020204" pitchFamily="34" charset="0"/>
               <a:buChar char="•"/>
             </a:pPr>
+            <a:r>
+              <a:rPr lang="ru-RU" dirty="0"/>
+              <a:t>Сохранение статистики игр</a:t>
+            </a:r>
+          </a:p>
+          <a:p>
+            <a:pPr marL="285750" indent="-285750" rtl="0">
+              <a:buFont typeface="Arial" panose="020B0604020202020204" pitchFamily="34" charset="0"/>
+              <a:buChar char="•"/>
+            </a:pPr>
             <a:endParaRPr lang="ru-RU" dirty="0"/>
           </a:p>
           <a:p>
@@ -17672,6 +18075,19 @@
               <a:rPr lang="ru-RU" dirty="0"/>
               <a:t>Создание случайной генерации карты битвы</a:t>
             </a:r>
+          </a:p>
+          <a:p>
+            <a:pPr marL="285750" indent="-285750">
+              <a:buFont typeface="Arial" panose="020B0604020202020204" pitchFamily="34" charset="0"/>
+              <a:buChar char="•"/>
+            </a:pPr>
+            <a:r>
+              <a:rPr lang="ru-RU" dirty="0"/>
+              <a:t>Добавление других бонусов для танков</a:t>
+            </a:r>
+          </a:p>
+          <a:p>
+            <a:endParaRPr lang="ru-RU" dirty="0"/>
           </a:p>
           <a:p>
             <a:pPr marL="285750" indent="-285750">
@@ -19308,6 +19724,15 @@
 </file>
 
 <file path=customXml/item2.xml><?xml version="1.0" encoding="utf-8"?>
+<?mso-contentType ?>
+<FormTemplates xmlns="http://schemas.microsoft.com/sharepoint/v3/contenttype/forms">
+  <Display>DocumentLibraryForm</Display>
+  <Edit>DocumentLibraryForm</Edit>
+  <New>DocumentLibraryForm</New>
+</FormTemplates>
+</file>
+
+<file path=customXml/item3.xml><?xml version="1.0" encoding="utf-8"?>
 <p:properties xmlns:p="http://schemas.microsoft.com/office/2006/metadata/properties" xmlns:xsi="http://www.w3.org/2001/XMLSchema-instance" xmlns:pc="http://schemas.microsoft.com/office/infopath/2007/PartnerControls">
   <documentManagement>
     <_ip_UnifiedCompliancePolicyUIAction xmlns="http://schemas.microsoft.com/sharepoint/v3" xsi:nil="true"/>
@@ -19324,15 +19749,6 @@
     <MediaServiceKeyPoints xmlns="71af3243-3dd4-4a8d-8c0d-dd76da1f02a5" xsi:nil="true"/>
   </documentManagement>
 </p:properties>
-</file>
-
-<file path=customXml/item3.xml><?xml version="1.0" encoding="utf-8"?>
-<?mso-contentType ?>
-<FormTemplates xmlns="http://schemas.microsoft.com/sharepoint/v3/contenttype/forms">
-  <Display>DocumentLibraryForm</Display>
-  <Edit>DocumentLibraryForm</Edit>
-  <New>DocumentLibraryForm</New>
-</FormTemplates>
 </file>
 
 <file path=customXml/itemProps1.xml><?xml version="1.0" encoding="utf-8"?>
@@ -19357,6 +19773,14 @@
 </file>
 
 <file path=customXml/itemProps2.xml><?xml version="1.0" encoding="utf-8"?>
+<ds:datastoreItem xmlns:ds="http://schemas.openxmlformats.org/officeDocument/2006/customXml" ds:itemID="{2D446390-8521-40A2-A462-EA068123BED9}">
+  <ds:schemaRefs>
+    <ds:schemaRef ds:uri="http://schemas.microsoft.com/sharepoint/v3/contenttype/forms"/>
+  </ds:schemaRefs>
+</ds:datastoreItem>
+</file>
+
+<file path=customXml/itemProps3.xml><?xml version="1.0" encoding="utf-8"?>
 <ds:datastoreItem xmlns:ds="http://schemas.openxmlformats.org/officeDocument/2006/customXml" ds:itemID="{B5BA3906-9696-4247-AC0D-DD5C26B2A70A}">
   <ds:schemaRefs>
     <ds:schemaRef ds:uri="http://schemas.microsoft.com/office/2006/metadata/properties"/>
@@ -19368,14 +19792,6 @@
 </ds:datastoreItem>
 </file>
 
-<file path=customXml/itemProps3.xml><?xml version="1.0" encoding="utf-8"?>
-<ds:datastoreItem xmlns:ds="http://schemas.openxmlformats.org/officeDocument/2006/customXml" ds:itemID="{2D446390-8521-40A2-A462-EA068123BED9}">
-  <ds:schemaRefs>
-    <ds:schemaRef ds:uri="http://schemas.microsoft.com/sharepoint/v3/contenttype/forms"/>
-  </ds:schemaRefs>
-</ds:datastoreItem>
-</file>
-
 <file path=docMetadata/LabelInfo.xml><?xml version="1.0" encoding="utf-8"?>
 <clbl:labelList xmlns:clbl="http://schemas.microsoft.com/office/2020/mipLabelMetadata">
   <clbl:label id="{f42aa342-8706-4288-bd11-ebb85995028c}" enabled="1" method="Standard" siteId="{72f988bf-86f1-41af-91ab-2d7cd011db47}" removed="0"/>

--- a/res_for_presentation/Blind Typing.pptx
+++ b/res_for_presentation/Blind Typing.pptx
@@ -248,7 +248,7 @@
             <a:pPr rtl="0"/>
             <a:fld id="{C3308102-B78F-4A24-87CA-5FA0033B6135}" type="datetime1">
               <a:rPr lang="ru-RU" smtClean="0"/>
-              <a:t>чт 18.01.24</a:t>
+              <a:t>18.01.2024</a:t>
             </a:fld>
             <a:endParaRPr lang="ru-RU" dirty="0"/>
           </a:p>
@@ -429,7 +429,7 @@
             <a:fld id="{7B728365-CBBA-496F-854A-132A4D03B664}" type="datetime1">
               <a:rPr lang="ru-RU" smtClean="0"/>
               <a:pPr/>
-              <a:t>чт 18.01.24</a:t>
+              <a:t>18.01.2024</a:t>
             </a:fld>
             <a:endParaRPr lang="ru-RU" dirty="0"/>
           </a:p>
@@ -18382,19 +18382,46 @@
         </p:nvSpPr>
         <p:spPr>
           <a:xfrm>
-            <a:off x="5476874" y="1628114"/>
-            <a:ext cx="5111750" cy="604447"/>
-          </a:xfrm>
-        </p:spPr>
-        <p:txBody>
-          <a:bodyPr/>
+            <a:off x="5476874" y="1333144"/>
+            <a:ext cx="5111750" cy="3920820"/>
+          </a:xfrm>
+        </p:spPr>
+        <p:txBody>
+          <a:bodyPr>
+            <a:normAutofit/>
+          </a:bodyPr>
           <a:lstStyle/>
           <a:p>
             <a:r>
-              <a:rPr lang="ru-RU"/>
-              <a:t>Итак, цели </a:t>
-            </a:r>
+              <a:rPr lang="ru-RU" dirty="0"/>
+              <a:t>Общие итоги по разработке игры показывают успешную реализацию основной механики игры с использованием библиотеки </a:t>
+            </a:r>
+            <a:r>
+              <a:rPr lang="ru-RU" dirty="0" err="1"/>
+              <a:t>Pygame</a:t>
+            </a:r>
+            <a:r>
+              <a:rPr lang="ru-RU" dirty="0"/>
+              <a:t>. Игра обладает базовым функционалом, включая управление танками, боевые действия, графику и звук.</a:t>
+            </a:r>
+          </a:p>
+          <a:p>
             <a:endParaRPr lang="ru-RU" dirty="0"/>
+          </a:p>
+          <a:p>
+            <a:r>
+              <a:rPr lang="ru-RU" dirty="0"/>
+              <a:t>Дальнейшие возможности для усовершенствования включают интеграцию работу с сообществом игроков, анимацию танков, создание случайной генерации карт и бонусов.</a:t>
+            </a:r>
+          </a:p>
+          <a:p>
+            <a:endParaRPr lang="ru-RU" dirty="0"/>
+          </a:p>
+          <a:p>
+            <a:r>
+              <a:rPr lang="ru-RU" dirty="0"/>
+              <a:t>В целом, игра имеет потенциал для расширения функционала, привлечения новых пользователей и создания более увлекательного игрового опыта.</a:t>
+            </a:r>
           </a:p>
         </p:txBody>
       </p:sp>
@@ -19448,6 +19475,15 @@
 </file>
 
 <file path=customXml/item1.xml><?xml version="1.0" encoding="utf-8"?>
+<?mso-contentType ?>
+<FormTemplates xmlns="http://schemas.microsoft.com/sharepoint/v3/contenttype/forms">
+  <Display>DocumentLibraryForm</Display>
+  <Edit>DocumentLibraryForm</Edit>
+  <New>DocumentLibraryForm</New>
+</FormTemplates>
+</file>
+
+<file path=customXml/item2.xml><?xml version="1.0" encoding="utf-8"?>
 <ct:contentTypeSchema xmlns:ct="http://schemas.microsoft.com/office/2006/metadata/contentType" xmlns:ma="http://schemas.microsoft.com/office/2006/metadata/properties/metaAttributes" ct:_="" ma:_="" ma:contentTypeName="Document" ma:contentTypeID="0x01010079F111ED35F8CC479449609E8A0923A6" ma:contentTypeVersion="20" ma:contentTypeDescription="Create a new document." ma:contentTypeScope="" ma:versionID="1267097ee5f5874adfcc408041ae252e">
   <xsd:schema xmlns:xsd="http://www.w3.org/2001/XMLSchema" xmlns:xs="http://www.w3.org/2001/XMLSchema" xmlns:p="http://schemas.microsoft.com/office/2006/metadata/properties" xmlns:ns1="http://schemas.microsoft.com/sharepoint/v3" xmlns:ns2="71af3243-3dd4-4a8d-8c0d-dd76da1f02a5" xmlns:ns3="16c05727-aa75-4e4a-9b5f-8a80a1165891" xmlns:ns4="230e9df3-be65-4c73-a93b-d1236ebd677e" targetNamespace="http://schemas.microsoft.com/office/2006/metadata/properties" ma:root="true" ma:fieldsID="395891a93df65b14727750f2c06c306c" ns1:_="" ns2:_="" ns3:_="" ns4:_="">
     <xsd:import namespace="http://schemas.microsoft.com/sharepoint/v3"/>
@@ -19723,15 +19759,6 @@
 </ct:contentTypeSchema>
 </file>
 
-<file path=customXml/item2.xml><?xml version="1.0" encoding="utf-8"?>
-<?mso-contentType ?>
-<FormTemplates xmlns="http://schemas.microsoft.com/sharepoint/v3/contenttype/forms">
-  <Display>DocumentLibraryForm</Display>
-  <Edit>DocumentLibraryForm</Edit>
-  <New>DocumentLibraryForm</New>
-</FormTemplates>
-</file>
-
 <file path=customXml/item3.xml><?xml version="1.0" encoding="utf-8"?>
 <p:properties xmlns:p="http://schemas.microsoft.com/office/2006/metadata/properties" xmlns:xsi="http://www.w3.org/2001/XMLSchema-instance" xmlns:pc="http://schemas.microsoft.com/office/infopath/2007/PartnerControls">
   <documentManagement>
@@ -19752,6 +19779,14 @@
 </file>
 
 <file path=customXml/itemProps1.xml><?xml version="1.0" encoding="utf-8"?>
+<ds:datastoreItem xmlns:ds="http://schemas.openxmlformats.org/officeDocument/2006/customXml" ds:itemID="{2D446390-8521-40A2-A462-EA068123BED9}">
+  <ds:schemaRefs>
+    <ds:schemaRef ds:uri="http://schemas.microsoft.com/sharepoint/v3/contenttype/forms"/>
+  </ds:schemaRefs>
+</ds:datastoreItem>
+</file>
+
+<file path=customXml/itemProps2.xml><?xml version="1.0" encoding="utf-8"?>
 <ds:datastoreItem xmlns:ds="http://schemas.openxmlformats.org/officeDocument/2006/customXml" ds:itemID="{01E84A1C-2814-43A7-9448-348326113A45}">
   <ds:schemaRefs>
     <ds:schemaRef ds:uri="http://schemas.microsoft.com/office/2006/metadata/contentType"/>
@@ -19768,14 +19803,6 @@
     <ds:schemaRef ds:uri="http://purl.org/dc/elements/1.1/"/>
     <ds:schemaRef ds:uri="http://purl.org/dc/terms/"/>
     <ds:schemaRef ds:uri="http://schemas.microsoft.com/internal/obd"/>
-  </ds:schemaRefs>
-</ds:datastoreItem>
-</file>
-
-<file path=customXml/itemProps2.xml><?xml version="1.0" encoding="utf-8"?>
-<ds:datastoreItem xmlns:ds="http://schemas.openxmlformats.org/officeDocument/2006/customXml" ds:itemID="{2D446390-8521-40A2-A462-EA068123BED9}">
-  <ds:schemaRefs>
-    <ds:schemaRef ds:uri="http://schemas.microsoft.com/sharepoint/v3/contenttype/forms"/>
   </ds:schemaRefs>
 </ds:datastoreItem>
 </file>

--- a/res_for_presentation/Blind Typing.pptx
+++ b/res_for_presentation/Blind Typing.pptx
@@ -248,7 +248,7 @@
             <a:pPr rtl="0"/>
             <a:fld id="{C3308102-B78F-4A24-87CA-5FA0033B6135}" type="datetime1">
               <a:rPr lang="ru-RU" smtClean="0"/>
-              <a:t>18.01.2024</a:t>
+              <a:t>чт 18.01.24</a:t>
             </a:fld>
             <a:endParaRPr lang="ru-RU" dirty="0"/>
           </a:p>
@@ -429,7 +429,7 @@
             <a:fld id="{7B728365-CBBA-496F-854A-132A4D03B664}" type="datetime1">
               <a:rPr lang="ru-RU" smtClean="0"/>
               <a:pPr/>
-              <a:t>18.01.2024</a:t>
+              <a:t>чт 18.01.24</a:t>
             </a:fld>
             <a:endParaRPr lang="ru-RU" dirty="0"/>
           </a:p>
@@ -16510,7 +16510,7 @@
             <a:pPr rtl="0"/>
             <a:r>
               <a:rPr lang="ru-RU" dirty="0"/>
-              <a:t>2023</a:t>
+              <a:t>2024</a:t>
             </a:r>
           </a:p>
         </p:txBody>
@@ -16683,7 +16683,7 @@
         </p:nvSpPr>
         <p:spPr>
           <a:xfrm>
-            <a:off x="178006" y="1504951"/>
+            <a:off x="166131" y="1566119"/>
             <a:ext cx="2141764" cy="514350"/>
           </a:xfrm>
         </p:spPr>
@@ -16717,7 +16717,12 @@
             <p:ph type="body" sz="quarter" idx="14"/>
           </p:nvPr>
         </p:nvSpPr>
-        <p:spPr/>
+        <p:spPr>
+          <a:xfrm>
+            <a:off x="714375" y="2625708"/>
+            <a:ext cx="2141764" cy="514350"/>
+          </a:xfrm>
+        </p:spPr>
         <p:txBody>
           <a:bodyPr rtlCol="0"/>
           <a:lstStyle/>
@@ -16746,7 +16751,12 @@
             <p:ph type="body" sz="quarter" idx="15"/>
           </p:nvPr>
         </p:nvSpPr>
-        <p:spPr/>
+        <p:spPr>
+          <a:xfrm>
+            <a:off x="1320800" y="3746465"/>
+            <a:ext cx="2141764" cy="514350"/>
+          </a:xfrm>
+        </p:spPr>
         <p:txBody>
           <a:bodyPr rtlCol="0"/>
           <a:lstStyle/>
@@ -16783,7 +16793,7 @@
             <a:pPr rtl="0"/>
             <a:r>
               <a:rPr lang="ru-RU" dirty="0"/>
-              <a:t>2023</a:t>
+              <a:t>2024</a:t>
             </a:r>
           </a:p>
         </p:txBody>
@@ -17741,7 +17751,7 @@
             <a:pPr rtl="0"/>
             <a:r>
               <a:rPr lang="ru-RU" dirty="0"/>
-              <a:t>2023</a:t>
+              <a:t>2024</a:t>
             </a:r>
           </a:p>
         </p:txBody>
@@ -17769,8 +17779,12 @@
           <a:p>
             <a:pPr rtl="0"/>
             <a:r>
+              <a:rPr lang="en-US" sz="1200" dirty="0" err="1"/>
+              <a:t>Bim</a:t>
+            </a:r>
+            <a:r>
               <a:rPr lang="en-US" sz="1200" dirty="0"/>
-              <a:t>Blind Typing</a:t>
+              <a:t>-bam-tanks</a:t>
             </a:r>
             <a:endParaRPr lang="ru-RU" sz="1200" dirty="0"/>
           </a:p>
@@ -17870,98 +17884,6 @@
           </a:p>
         </p:txBody>
       </p:sp>
-      <p:sp>
-        <p:nvSpPr>
-          <p:cNvPr id="4" name="Дата 3">
-            <a:extLst>
-              <a:ext uri="{FF2B5EF4-FFF2-40B4-BE49-F238E27FC236}">
-                <a16:creationId xmlns:a16="http://schemas.microsoft.com/office/drawing/2014/main" id="{B741A826-2748-47DF-860A-D985B5D29A23}"/>
-              </a:ext>
-            </a:extLst>
-          </p:cNvPr>
-          <p:cNvSpPr>
-            <a:spLocks noGrp="1"/>
-          </p:cNvSpPr>
-          <p:nvPr>
-            <p:ph type="dt" sz="half" idx="10"/>
-          </p:nvPr>
-        </p:nvSpPr>
-        <p:spPr/>
-        <p:txBody>
-          <a:bodyPr/>
-          <a:lstStyle/>
-          <a:p>
-            <a:pPr rtl="0"/>
-            <a:r>
-              <a:rPr lang="ru-RU" noProof="0" dirty="0"/>
-              <a:t>2023</a:t>
-            </a:r>
-          </a:p>
-        </p:txBody>
-      </p:sp>
-      <p:sp>
-        <p:nvSpPr>
-          <p:cNvPr id="5" name="Нижний колонтитул 4">
-            <a:extLst>
-              <a:ext uri="{FF2B5EF4-FFF2-40B4-BE49-F238E27FC236}">
-                <a16:creationId xmlns:a16="http://schemas.microsoft.com/office/drawing/2014/main" id="{1EDD1BB9-1018-4C92-BBEA-75CF2AC164BE}"/>
-              </a:ext>
-            </a:extLst>
-          </p:cNvPr>
-          <p:cNvSpPr>
-            <a:spLocks noGrp="1"/>
-          </p:cNvSpPr>
-          <p:nvPr>
-            <p:ph type="ftr" sz="quarter" idx="11"/>
-          </p:nvPr>
-        </p:nvSpPr>
-        <p:spPr/>
-        <p:txBody>
-          <a:bodyPr/>
-          <a:lstStyle/>
-          <a:p>
-            <a:r>
-              <a:rPr lang="en-US" sz="1200" dirty="0"/>
-              <a:t>Blind Typing</a:t>
-            </a:r>
-            <a:endParaRPr lang="ru-RU" sz="1200" dirty="0"/>
-          </a:p>
-          <a:p>
-            <a:pPr rtl="0"/>
-            <a:endParaRPr lang="ru-RU" noProof="0" dirty="0"/>
-          </a:p>
-        </p:txBody>
-      </p:sp>
-      <p:sp>
-        <p:nvSpPr>
-          <p:cNvPr id="6" name="Номер слайда 5">
-            <a:extLst>
-              <a:ext uri="{FF2B5EF4-FFF2-40B4-BE49-F238E27FC236}">
-                <a16:creationId xmlns:a16="http://schemas.microsoft.com/office/drawing/2014/main" id="{72FC67B9-D6EE-4949-A33D-5E745FB996AD}"/>
-              </a:ext>
-            </a:extLst>
-          </p:cNvPr>
-          <p:cNvSpPr>
-            <a:spLocks noGrp="1"/>
-          </p:cNvSpPr>
-          <p:nvPr>
-            <p:ph type="sldNum" sz="quarter" idx="12"/>
-          </p:nvPr>
-        </p:nvSpPr>
-        <p:spPr/>
-        <p:txBody>
-          <a:bodyPr/>
-          <a:lstStyle/>
-          <a:p>
-            <a:pPr rtl="0"/>
-            <a:fld id="{B5CEABB6-07DC-46E8-9B57-56EC44A396E5}" type="slidenum">
-              <a:rPr lang="ru-RU" noProof="0" smtClean="0"/>
-              <a:t>6</a:t>
-            </a:fld>
-            <a:endParaRPr lang="ru-RU" noProof="0"/>
-          </a:p>
-        </p:txBody>
-      </p:sp>
     </p:spTree>
     <p:extLst>
       <p:ext uri="{BB962C8B-B14F-4D97-AF65-F5344CB8AC3E}">
@@ -18055,15 +17977,7 @@
             </a:pPr>
             <a:r>
               <a:rPr lang="ru-RU" dirty="0"/>
-              <a:t>Добавление </a:t>
-            </a:r>
-            <a:r>
-              <a:rPr lang="ru-RU" dirty="0" err="1"/>
-              <a:t>анимаций</a:t>
-            </a:r>
-            <a:r>
-              <a:rPr lang="ru-RU" dirty="0"/>
-              <a:t> для танков</a:t>
+              <a:t>Добавление анимаций для танков</a:t>
             </a:r>
           </a:p>
           <a:p>
@@ -18073,7 +17987,7 @@
             </a:pPr>
             <a:r>
               <a:rPr lang="ru-RU" dirty="0"/>
-              <a:t>Создание случайной генерации карты битвы</a:t>
+              <a:t>Создание случайной генерации карты битвы, с разными декорациями</a:t>
             </a:r>
           </a:p>
           <a:p>
@@ -18085,9 +17999,6 @@
               <a:rPr lang="ru-RU" dirty="0"/>
               <a:t>Добавление других бонусов для танков</a:t>
             </a:r>
-          </a:p>
-          <a:p>
-            <a:endParaRPr lang="ru-RU" dirty="0"/>
           </a:p>
           <a:p>
             <a:pPr marL="285750" indent="-285750">
@@ -18097,6 +18008,9 @@
             <a:endParaRPr lang="ru-RU" dirty="0"/>
           </a:p>
           <a:p>
+            <a:endParaRPr lang="ru-RU" dirty="0"/>
+          </a:p>
+          <a:p>
             <a:pPr marL="285750" indent="-285750">
               <a:buFont typeface="Arial" panose="020B0604020202020204" pitchFamily="34" charset="0"/>
               <a:buChar char="•"/>
@@ -18111,6 +18025,13 @@
             <a:endParaRPr lang="ru-RU" dirty="0"/>
           </a:p>
           <a:p>
+            <a:pPr marL="285750" indent="-285750">
+              <a:buFont typeface="Arial" panose="020B0604020202020204" pitchFamily="34" charset="0"/>
+              <a:buChar char="•"/>
+            </a:pPr>
+            <a:endParaRPr lang="ru-RU" dirty="0"/>
+          </a:p>
+          <a:p>
             <a:pPr rtl="0"/>
             <a:endParaRPr lang="ru-RU" dirty="0"/>
           </a:p>
@@ -18140,7 +18061,7 @@
             <a:pPr rtl="0"/>
             <a:r>
               <a:rPr lang="ru-RU" dirty="0"/>
-              <a:t>2023</a:t>
+              <a:t>2024</a:t>
             </a:r>
           </a:p>
         </p:txBody>
@@ -18166,15 +18087,16 @@
           <a:bodyPr rtlCol="0"/>
           <a:lstStyle/>
           <a:p>
+            <a:pPr rtl="0"/>
+            <a:r>
+              <a:rPr lang="en-US" sz="1200" dirty="0" err="1"/>
+              <a:t>Bim</a:t>
+            </a:r>
             <a:r>
               <a:rPr lang="en-US" sz="1200" dirty="0"/>
-              <a:t>Blind Typing</a:t>
+              <a:t>-bam-tanks</a:t>
             </a:r>
             <a:endParaRPr lang="ru-RU" sz="1200" dirty="0"/>
-          </a:p>
-          <a:p>
-            <a:pPr rtl="0"/>
-            <a:endParaRPr lang="ru-RU" dirty="0"/>
           </a:p>
         </p:txBody>
       </p:sp>
@@ -18299,7 +18221,7 @@
             <a:pPr rtl="0"/>
             <a:r>
               <a:rPr lang="ru-RU" dirty="0"/>
-              <a:t>2023</a:t>
+              <a:t>2024</a:t>
             </a:r>
           </a:p>
         </p:txBody>
@@ -18325,9 +18247,14 @@
           <a:bodyPr rtlCol="0"/>
           <a:lstStyle/>
           <a:p>
+            <a:pPr rtl="0"/>
+            <a:r>
+              <a:rPr lang="en-US" sz="1200" dirty="0" err="1"/>
+              <a:t>Bim</a:t>
+            </a:r>
             <a:r>
               <a:rPr lang="en-US" sz="1200" dirty="0"/>
-              <a:t>Blind Typing</a:t>
+              <a:t>-bam-tanks</a:t>
             </a:r>
             <a:endParaRPr lang="ru-RU" sz="1200" dirty="0"/>
           </a:p>
@@ -18394,15 +18321,7 @@
           <a:p>
             <a:r>
               <a:rPr lang="ru-RU" dirty="0"/>
-              <a:t>Общие итоги по разработке игры показывают успешную реализацию основной механики игры с использованием библиотеки </a:t>
-            </a:r>
-            <a:r>
-              <a:rPr lang="ru-RU" dirty="0" err="1"/>
-              <a:t>Pygame</a:t>
-            </a:r>
-            <a:r>
-              <a:rPr lang="ru-RU" dirty="0"/>
-              <a:t>. Игра обладает базовым функционалом, включая управление танками, боевые действия, графику и звук.</a:t>
+              <a:t>Общие итоги по разработке игры показывают успешную реализацию основной механики игры с использованием библиотеки Pygame. Игра обладает базовым функционалом, включая управление танками, боевые действия, графику и звук.</a:t>
             </a:r>
           </a:p>
           <a:p>
@@ -18522,7 +18441,7 @@
         </p:nvSpPr>
         <p:spPr>
           <a:xfrm>
-            <a:off x="3882707" y="831273"/>
+            <a:off x="3882706" y="1128156"/>
             <a:ext cx="4426585" cy="1431945"/>
           </a:xfrm>
         </p:spPr>
@@ -18542,110 +18461,12 @@
           </a:p>
         </p:txBody>
       </p:sp>
-      <p:sp>
-        <p:nvSpPr>
-          <p:cNvPr id="4" name="Дата 3">
-            <a:extLst>
-              <a:ext uri="{FF2B5EF4-FFF2-40B4-BE49-F238E27FC236}">
-                <a16:creationId xmlns:a16="http://schemas.microsoft.com/office/drawing/2014/main" id="{72DA7980-C870-4C9A-84FA-4120D8AF5DE8}"/>
-              </a:ext>
-            </a:extLst>
-          </p:cNvPr>
-          <p:cNvSpPr>
-            <a:spLocks noGrp="1"/>
-          </p:cNvSpPr>
-          <p:nvPr>
-            <p:ph type="dt" sz="half" idx="10"/>
-          </p:nvPr>
-        </p:nvSpPr>
-        <p:spPr>
-          <a:xfrm>
-            <a:off x="3226889" y="6339609"/>
-            <a:ext cx="1774371" cy="365125"/>
-          </a:xfrm>
-        </p:spPr>
-        <p:txBody>
-          <a:bodyPr rtlCol="0"/>
-          <a:lstStyle/>
-          <a:p>
-            <a:pPr rtl="0"/>
-            <a:r>
-              <a:rPr lang="ru-RU" dirty="0"/>
-              <a:t>2023</a:t>
-            </a:r>
-          </a:p>
-        </p:txBody>
-      </p:sp>
-      <p:sp>
-        <p:nvSpPr>
-          <p:cNvPr id="5" name="Нижний колонтитул 4">
-            <a:extLst>
-              <a:ext uri="{FF2B5EF4-FFF2-40B4-BE49-F238E27FC236}">
-                <a16:creationId xmlns:a16="http://schemas.microsoft.com/office/drawing/2014/main" id="{0DFADE42-1A3F-40C8-A071-E57644F3D843}"/>
-              </a:ext>
-            </a:extLst>
-          </p:cNvPr>
-          <p:cNvSpPr>
-            <a:spLocks noGrp="1"/>
-          </p:cNvSpPr>
-          <p:nvPr>
-            <p:ph type="ftr" sz="quarter" idx="11"/>
-          </p:nvPr>
-        </p:nvSpPr>
-        <p:spPr>
-          <a:xfrm>
-            <a:off x="5500666" y="6339608"/>
-            <a:ext cx="2661557" cy="365125"/>
-          </a:xfrm>
-        </p:spPr>
-        <p:txBody>
-          <a:bodyPr rtlCol="0"/>
-          <a:lstStyle/>
-          <a:p>
-            <a:r>
-              <a:rPr lang="en-US" sz="1200" dirty="0"/>
-              <a:t>Blind Typing</a:t>
-            </a:r>
-          </a:p>
-        </p:txBody>
-      </p:sp>
-      <p:sp>
-        <p:nvSpPr>
-          <p:cNvPr id="6" name="Номер слайда 5">
-            <a:extLst>
-              <a:ext uri="{FF2B5EF4-FFF2-40B4-BE49-F238E27FC236}">
-                <a16:creationId xmlns:a16="http://schemas.microsoft.com/office/drawing/2014/main" id="{5EDCFF82-B70F-4971-9182-7C3AEA3CFD26}"/>
-              </a:ext>
-            </a:extLst>
-          </p:cNvPr>
-          <p:cNvSpPr>
-            <a:spLocks noGrp="1"/>
-          </p:cNvSpPr>
-          <p:nvPr>
-            <p:ph type="sldNum" sz="quarter" idx="12"/>
-          </p:nvPr>
-        </p:nvSpPr>
-        <p:spPr/>
-        <p:txBody>
-          <a:bodyPr rtlCol="0"/>
-          <a:lstStyle/>
-          <a:p>
-            <a:pPr rtl="0"/>
-            <a:fld id="{B5CEABB6-07DC-46E8-9B57-56EC44A396E5}" type="slidenum">
-              <a:rPr lang="ru-RU" smtClean="0"/>
-              <a:pPr rtl="0"/>
-              <a:t>9</a:t>
-            </a:fld>
-            <a:endParaRPr lang="ru-RU"/>
-          </a:p>
-        </p:txBody>
-      </p:sp>
       <p:pic>
         <p:nvPicPr>
-          <p:cNvPr id="10" name="Рисунок 9">
-            <a:extLst>
-              <a:ext uri="{FF2B5EF4-FFF2-40B4-BE49-F238E27FC236}">
-                <a16:creationId xmlns:a16="http://schemas.microsoft.com/office/drawing/2014/main" id="{512D3730-AD57-4B52-909C-A1968EC0D04C}"/>
+          <p:cNvPr id="7" name="Рисунок 6">
+            <a:extLst>
+              <a:ext uri="{FF2B5EF4-FFF2-40B4-BE49-F238E27FC236}">
+                <a16:creationId xmlns:a16="http://schemas.microsoft.com/office/drawing/2014/main" id="{2EF467B7-5B41-449B-AAF8-40EE86FAA705}"/>
               </a:ext>
             </a:extLst>
           </p:cNvPr>
@@ -18662,8 +18483,8 @@
         </p:blipFill>
         <p:spPr>
           <a:xfrm>
-            <a:off x="5096492" y="3040173"/>
-            <a:ext cx="1999014" cy="1999014"/>
+            <a:off x="5079998" y="3023680"/>
+            <a:ext cx="2032000" cy="2032000"/>
           </a:xfrm>
           <a:prstGeom prst="rect">
             <a:avLst/>
@@ -19484,6 +19305,25 @@
 </file>
 
 <file path=customXml/item2.xml><?xml version="1.0" encoding="utf-8"?>
+<p:properties xmlns:p="http://schemas.microsoft.com/office/2006/metadata/properties" xmlns:xsi="http://www.w3.org/2001/XMLSchema-instance" xmlns:pc="http://schemas.microsoft.com/office/infopath/2007/PartnerControls">
+  <documentManagement>
+    <_ip_UnifiedCompliancePolicyUIAction xmlns="http://schemas.microsoft.com/sharepoint/v3" xsi:nil="true"/>
+    <Image xmlns="71af3243-3dd4-4a8d-8c0d-dd76da1f02a5">
+      <Url xsi:nil="true"/>
+      <Description xsi:nil="true"/>
+    </Image>
+    <Status xmlns="71af3243-3dd4-4a8d-8c0d-dd76da1f02a5">Not started</Status>
+    <_ip_UnifiedCompliancePolicyProperties xmlns="http://schemas.microsoft.com/sharepoint/v3" xsi:nil="true"/>
+    <ImageTagsTaxHTField xmlns="71af3243-3dd4-4a8d-8c0d-dd76da1f02a5">
+      <Terms xmlns="http://schemas.microsoft.com/office/infopath/2007/PartnerControls"/>
+    </ImageTagsTaxHTField>
+    <TaxCatchAll xmlns="230e9df3-be65-4c73-a93b-d1236ebd677e"/>
+    <MediaServiceKeyPoints xmlns="71af3243-3dd4-4a8d-8c0d-dd76da1f02a5" xsi:nil="true"/>
+  </documentManagement>
+</p:properties>
+</file>
+
+<file path=customXml/item3.xml><?xml version="1.0" encoding="utf-8"?>
 <ct:contentTypeSchema xmlns:ct="http://schemas.microsoft.com/office/2006/metadata/contentType" xmlns:ma="http://schemas.microsoft.com/office/2006/metadata/properties/metaAttributes" ct:_="" ma:_="" ma:contentTypeName="Document" ma:contentTypeID="0x01010079F111ED35F8CC479449609E8A0923A6" ma:contentTypeVersion="20" ma:contentTypeDescription="Create a new document." ma:contentTypeScope="" ma:versionID="1267097ee5f5874adfcc408041ae252e">
   <xsd:schema xmlns:xsd="http://www.w3.org/2001/XMLSchema" xmlns:xs="http://www.w3.org/2001/XMLSchema" xmlns:p="http://schemas.microsoft.com/office/2006/metadata/properties" xmlns:ns1="http://schemas.microsoft.com/sharepoint/v3" xmlns:ns2="71af3243-3dd4-4a8d-8c0d-dd76da1f02a5" xmlns:ns3="16c05727-aa75-4e4a-9b5f-8a80a1165891" xmlns:ns4="230e9df3-be65-4c73-a93b-d1236ebd677e" targetNamespace="http://schemas.microsoft.com/office/2006/metadata/properties" ma:root="true" ma:fieldsID="395891a93df65b14727750f2c06c306c" ns1:_="" ns2:_="" ns3:_="" ns4:_="">
     <xsd:import namespace="http://schemas.microsoft.com/sharepoint/v3"/>
@@ -19759,25 +19599,6 @@
 </ct:contentTypeSchema>
 </file>
 
-<file path=customXml/item3.xml><?xml version="1.0" encoding="utf-8"?>
-<p:properties xmlns:p="http://schemas.microsoft.com/office/2006/metadata/properties" xmlns:xsi="http://www.w3.org/2001/XMLSchema-instance" xmlns:pc="http://schemas.microsoft.com/office/infopath/2007/PartnerControls">
-  <documentManagement>
-    <_ip_UnifiedCompliancePolicyUIAction xmlns="http://schemas.microsoft.com/sharepoint/v3" xsi:nil="true"/>
-    <Image xmlns="71af3243-3dd4-4a8d-8c0d-dd76da1f02a5">
-      <Url xsi:nil="true"/>
-      <Description xsi:nil="true"/>
-    </Image>
-    <Status xmlns="71af3243-3dd4-4a8d-8c0d-dd76da1f02a5">Not started</Status>
-    <_ip_UnifiedCompliancePolicyProperties xmlns="http://schemas.microsoft.com/sharepoint/v3" xsi:nil="true"/>
-    <ImageTagsTaxHTField xmlns="71af3243-3dd4-4a8d-8c0d-dd76da1f02a5">
-      <Terms xmlns="http://schemas.microsoft.com/office/infopath/2007/PartnerControls"/>
-    </ImageTagsTaxHTField>
-    <TaxCatchAll xmlns="230e9df3-be65-4c73-a93b-d1236ebd677e"/>
-    <MediaServiceKeyPoints xmlns="71af3243-3dd4-4a8d-8c0d-dd76da1f02a5" xsi:nil="true"/>
-  </documentManagement>
-</p:properties>
-</file>
-
 <file path=customXml/itemProps1.xml><?xml version="1.0" encoding="utf-8"?>
 <ds:datastoreItem xmlns:ds="http://schemas.openxmlformats.org/officeDocument/2006/customXml" ds:itemID="{2D446390-8521-40A2-A462-EA068123BED9}">
   <ds:schemaRefs>
@@ -19787,6 +19608,18 @@
 </file>
 
 <file path=customXml/itemProps2.xml><?xml version="1.0" encoding="utf-8"?>
+<ds:datastoreItem xmlns:ds="http://schemas.openxmlformats.org/officeDocument/2006/customXml" ds:itemID="{B5BA3906-9696-4247-AC0D-DD5C26B2A70A}">
+  <ds:schemaRefs>
+    <ds:schemaRef ds:uri="http://schemas.microsoft.com/office/2006/metadata/properties"/>
+    <ds:schemaRef ds:uri="http://schemas.microsoft.com/office/infopath/2007/PartnerControls"/>
+    <ds:schemaRef ds:uri="http://schemas.microsoft.com/sharepoint/v3"/>
+    <ds:schemaRef ds:uri="71af3243-3dd4-4a8d-8c0d-dd76da1f02a5"/>
+    <ds:schemaRef ds:uri="230e9df3-be65-4c73-a93b-d1236ebd677e"/>
+  </ds:schemaRefs>
+</ds:datastoreItem>
+</file>
+
+<file path=customXml/itemProps3.xml><?xml version="1.0" encoding="utf-8"?>
 <ds:datastoreItem xmlns:ds="http://schemas.openxmlformats.org/officeDocument/2006/customXml" ds:itemID="{01E84A1C-2814-43A7-9448-348326113A45}">
   <ds:schemaRefs>
     <ds:schemaRef ds:uri="http://schemas.microsoft.com/office/2006/metadata/contentType"/>
@@ -19807,18 +19640,6 @@
 </ds:datastoreItem>
 </file>
 
-<file path=customXml/itemProps3.xml><?xml version="1.0" encoding="utf-8"?>
-<ds:datastoreItem xmlns:ds="http://schemas.openxmlformats.org/officeDocument/2006/customXml" ds:itemID="{B5BA3906-9696-4247-AC0D-DD5C26B2A70A}">
-  <ds:schemaRefs>
-    <ds:schemaRef ds:uri="http://schemas.microsoft.com/office/2006/metadata/properties"/>
-    <ds:schemaRef ds:uri="http://schemas.microsoft.com/office/infopath/2007/PartnerControls"/>
-    <ds:schemaRef ds:uri="http://schemas.microsoft.com/sharepoint/v3"/>
-    <ds:schemaRef ds:uri="71af3243-3dd4-4a8d-8c0d-dd76da1f02a5"/>
-    <ds:schemaRef ds:uri="230e9df3-be65-4c73-a93b-d1236ebd677e"/>
-  </ds:schemaRefs>
-</ds:datastoreItem>
-</file>
-
 <file path=docMetadata/LabelInfo.xml><?xml version="1.0" encoding="utf-8"?>
 <clbl:labelList xmlns:clbl="http://schemas.microsoft.com/office/2020/mipLabelMetadata">
   <clbl:label id="{f42aa342-8706-4288-bd11-ebb85995028c}" enabled="1" method="Standard" siteId="{72f988bf-86f1-41af-91ab-2d7cd011db47}" removed="0"/>
